--- a/Automated Project Cost Prediction Engine.pptx
+++ b/Automated Project Cost Prediction Engine.pptx
@@ -209,7 +209,7 @@
           <a:p>
             <a:fld id="{53BDDBB4-20CB-4E5D-A3E7-CF42EA6A7137}" type="datetimeFigureOut">
               <a:rPr lang="en-US" smtClean="0"/>
-              <a:t>5/31/2016</a:t>
+              <a:t>6/17/2016</a:t>
             </a:fld>
             <a:endParaRPr lang="en-US"/>
           </a:p>
@@ -374,7 +374,7 @@
           <a:p>
             <a:fld id="{007D754E-7B5C-46A5-8E44-F7705B92F283}" type="datetimeFigureOut">
               <a:rPr lang="en-US" smtClean="0"/>
-              <a:t>5/31/2016</a:t>
+              <a:t>6/17/2016</a:t>
             </a:fld>
             <a:endParaRPr lang="en-US"/>
           </a:p>
@@ -2136,7 +2136,7 @@
           <a:p>
             <a:fld id="{0AFD1271-1001-4318-AA99-81CD62DE643F}" type="datetimeFigureOut">
               <a:rPr lang="en-US" smtClean="0"/>
-              <a:t>5/31/2016</a:t>
+              <a:t>6/17/2016</a:t>
             </a:fld>
             <a:endParaRPr lang="en-US"/>
           </a:p>
@@ -3005,7 +3005,7 @@
           <a:p>
             <a:fld id="{0AFD1271-1001-4318-AA99-81CD62DE643F}" type="datetimeFigureOut">
               <a:rPr lang="en-US" smtClean="0"/>
-              <a:t>5/31/2016</a:t>
+              <a:t>6/17/2016</a:t>
             </a:fld>
             <a:endParaRPr lang="en-US"/>
           </a:p>
@@ -3180,7 +3180,7 @@
           <a:p>
             <a:fld id="{0AFD1271-1001-4318-AA99-81CD62DE643F}" type="datetimeFigureOut">
               <a:rPr lang="en-US" smtClean="0"/>
-              <a:t>5/31/2016</a:t>
+              <a:t>6/17/2016</a:t>
             </a:fld>
             <a:endParaRPr lang="en-US"/>
           </a:p>
@@ -3350,7 +3350,7 @@
           <a:p>
             <a:fld id="{0AFD1271-1001-4318-AA99-81CD62DE643F}" type="datetimeFigureOut">
               <a:rPr lang="en-US" smtClean="0"/>
-              <a:t>5/31/2016</a:t>
+              <a:t>6/17/2016</a:t>
             </a:fld>
             <a:endParaRPr lang="en-US"/>
           </a:p>
@@ -3560,7 +3560,7 @@
           <a:p>
             <a:fld id="{0AFD1271-1001-4318-AA99-81CD62DE643F}" type="datetimeFigureOut">
               <a:rPr lang="en-US" smtClean="0"/>
-              <a:t>5/31/2016</a:t>
+              <a:t>6/17/2016</a:t>
             </a:fld>
             <a:endParaRPr lang="en-US"/>
           </a:p>
@@ -4374,7 +4374,7 @@
           <a:p>
             <a:fld id="{0AFD1271-1001-4318-AA99-81CD62DE643F}" type="datetimeFigureOut">
               <a:rPr lang="en-US" smtClean="0"/>
-              <a:t>5/31/2016</a:t>
+              <a:t>6/17/2016</a:t>
             </a:fld>
             <a:endParaRPr lang="en-US"/>
           </a:p>
@@ -4610,7 +4610,7 @@
           <a:p>
             <a:fld id="{0AFD1271-1001-4318-AA99-81CD62DE643F}" type="datetimeFigureOut">
               <a:rPr lang="en-US" smtClean="0"/>
-              <a:t>5/31/2016</a:t>
+              <a:t>6/17/2016</a:t>
             </a:fld>
             <a:endParaRPr lang="en-US"/>
           </a:p>
@@ -4933,7 +4933,7 @@
           <a:p>
             <a:fld id="{0AFD1271-1001-4318-AA99-81CD62DE643F}" type="datetimeFigureOut">
               <a:rPr lang="en-US" smtClean="0"/>
-              <a:t>5/31/2016</a:t>
+              <a:t>6/17/2016</a:t>
             </a:fld>
             <a:endParaRPr lang="en-US"/>
           </a:p>
@@ -5023,7 +5023,7 @@
           <a:p>
             <a:fld id="{0AFD1271-1001-4318-AA99-81CD62DE643F}" type="datetimeFigureOut">
               <a:rPr lang="en-US" smtClean="0"/>
-              <a:t>5/31/2016</a:t>
+              <a:t>6/17/2016</a:t>
             </a:fld>
             <a:endParaRPr lang="en-US"/>
           </a:p>
@@ -5540,7 +5540,7 @@
           <a:p>
             <a:fld id="{0AFD1271-1001-4318-AA99-81CD62DE643F}" type="datetimeFigureOut">
               <a:rPr lang="en-US" smtClean="0"/>
-              <a:t>5/31/2016</a:t>
+              <a:t>6/17/2016</a:t>
             </a:fld>
             <a:endParaRPr lang="en-US"/>
           </a:p>
@@ -6051,7 +6051,7 @@
           <a:p>
             <a:fld id="{0AFD1271-1001-4318-AA99-81CD62DE643F}" type="datetimeFigureOut">
               <a:rPr lang="en-US" smtClean="0"/>
-              <a:t>5/31/2016</a:t>
+              <a:t>6/17/2016</a:t>
             </a:fld>
             <a:endParaRPr lang="en-US"/>
           </a:p>
@@ -6296,7 +6296,7 @@
           <a:p>
             <a:fld id="{0AFD1271-1001-4318-AA99-81CD62DE643F}" type="datetimeFigureOut">
               <a:rPr lang="en-US" smtClean="0"/>
-              <a:t>5/31/2016</a:t>
+              <a:t>6/17/2016</a:t>
             </a:fld>
             <a:endParaRPr lang="en-US"/>
           </a:p>
@@ -9361,15 +9361,7 @@
           <a:p>
             <a:r>
               <a:rPr lang="en-US" dirty="0" smtClean="0"/>
-              <a:t>Create or find existing machine learning tool that allows </a:t>
-            </a:r>
-            <a:r>
-              <a:rPr lang="en-US" dirty="0" smtClean="0"/>
-              <a:t>users </a:t>
-            </a:r>
-            <a:r>
-              <a:rPr lang="en-US" dirty="0" smtClean="0"/>
-              <a:t>to predict project costs based on criteria provided.</a:t>
+              <a:t>Create or find existing machine learning tool that allows users to predict project costs based on criteria provided.</a:t>
             </a:r>
             <a:endParaRPr lang="en-US" dirty="0"/>
           </a:p>
